--- a/docs/web/thredds/tech/tds4.3/tutorial/GRIB.pptx
+++ b/docs/web/thredds/tech/tds4.3/tutorial/GRIB.pptx
@@ -18,6 +18,7 @@
     <p:sldId id="264" r:id="rId12"/>
     <p:sldId id="266" r:id="rId13"/>
     <p:sldId id="267" r:id="rId14"/>
+    <p:sldId id="269" r:id="rId15"/>
   </p:sldIdLst>
   <p:sldSz cx="9144000" cy="6858000" type="screen4x3"/>
   <p:notesSz cx="6858000" cy="9144000"/>
@@ -300,7 +301,8 @@
           <a:p>
             <a:fld id="{78CD59C7-ADFE-4FEB-B853-BE1FB1595D92}" type="datetimeFigureOut">
               <a:rPr lang="en-US" smtClean="0"/>
-              <a:t>10/15/2012</a:t>
+              <a:pPr/>
+              <a:t>10/20/2012</a:t>
             </a:fld>
             <a:endParaRPr lang="en-US"/>
           </a:p>
@@ -342,6 +344,7 @@
           <a:p>
             <a:fld id="{8D7E45D7-D0C4-44E3-9EA1-D078125991BA}" type="slidenum">
               <a:rPr lang="en-US" smtClean="0"/>
+              <a:pPr/>
               <a:t>‹#›</a:t>
             </a:fld>
             <a:endParaRPr lang="en-US"/>
@@ -465,7 +468,8 @@
           <a:p>
             <a:fld id="{78CD59C7-ADFE-4FEB-B853-BE1FB1595D92}" type="datetimeFigureOut">
               <a:rPr lang="en-US" smtClean="0"/>
-              <a:t>10/15/2012</a:t>
+              <a:pPr/>
+              <a:t>10/20/2012</a:t>
             </a:fld>
             <a:endParaRPr lang="en-US"/>
           </a:p>
@@ -507,6 +511,7 @@
           <a:p>
             <a:fld id="{8D7E45D7-D0C4-44E3-9EA1-D078125991BA}" type="slidenum">
               <a:rPr lang="en-US" smtClean="0"/>
+              <a:pPr/>
               <a:t>‹#›</a:t>
             </a:fld>
             <a:endParaRPr lang="en-US"/>
@@ -640,7 +645,8 @@
           <a:p>
             <a:fld id="{78CD59C7-ADFE-4FEB-B853-BE1FB1595D92}" type="datetimeFigureOut">
               <a:rPr lang="en-US" smtClean="0"/>
-              <a:t>10/15/2012</a:t>
+              <a:pPr/>
+              <a:t>10/20/2012</a:t>
             </a:fld>
             <a:endParaRPr lang="en-US"/>
           </a:p>
@@ -682,6 +688,7 @@
           <a:p>
             <a:fld id="{8D7E45D7-D0C4-44E3-9EA1-D078125991BA}" type="slidenum">
               <a:rPr lang="en-US" smtClean="0"/>
+              <a:pPr/>
               <a:t>‹#›</a:t>
             </a:fld>
             <a:endParaRPr lang="en-US"/>
@@ -805,7 +812,8 @@
           <a:p>
             <a:fld id="{78CD59C7-ADFE-4FEB-B853-BE1FB1595D92}" type="datetimeFigureOut">
               <a:rPr lang="en-US" smtClean="0"/>
-              <a:t>10/15/2012</a:t>
+              <a:pPr/>
+              <a:t>10/20/2012</a:t>
             </a:fld>
             <a:endParaRPr lang="en-US"/>
           </a:p>
@@ -847,6 +855,7 @@
           <a:p>
             <a:fld id="{8D7E45D7-D0C4-44E3-9EA1-D078125991BA}" type="slidenum">
               <a:rPr lang="en-US" smtClean="0"/>
+              <a:pPr/>
               <a:t>‹#›</a:t>
             </a:fld>
             <a:endParaRPr lang="en-US"/>
@@ -1046,7 +1055,8 @@
           <a:p>
             <a:fld id="{78CD59C7-ADFE-4FEB-B853-BE1FB1595D92}" type="datetimeFigureOut">
               <a:rPr lang="en-US" smtClean="0"/>
-              <a:t>10/15/2012</a:t>
+              <a:pPr/>
+              <a:t>10/20/2012</a:t>
             </a:fld>
             <a:endParaRPr lang="en-US"/>
           </a:p>
@@ -1088,6 +1098,7 @@
           <a:p>
             <a:fld id="{8D7E45D7-D0C4-44E3-9EA1-D078125991BA}" type="slidenum">
               <a:rPr lang="en-US" smtClean="0"/>
+              <a:pPr/>
               <a:t>‹#›</a:t>
             </a:fld>
             <a:endParaRPr lang="en-US"/>
@@ -1329,7 +1340,8 @@
           <a:p>
             <a:fld id="{78CD59C7-ADFE-4FEB-B853-BE1FB1595D92}" type="datetimeFigureOut">
               <a:rPr lang="en-US" smtClean="0"/>
-              <a:t>10/15/2012</a:t>
+              <a:pPr/>
+              <a:t>10/20/2012</a:t>
             </a:fld>
             <a:endParaRPr lang="en-US"/>
           </a:p>
@@ -1371,6 +1383,7 @@
           <a:p>
             <a:fld id="{8D7E45D7-D0C4-44E3-9EA1-D078125991BA}" type="slidenum">
               <a:rPr lang="en-US" smtClean="0"/>
+              <a:pPr/>
               <a:t>‹#›</a:t>
             </a:fld>
             <a:endParaRPr lang="en-US"/>
@@ -1746,7 +1759,8 @@
           <a:p>
             <a:fld id="{78CD59C7-ADFE-4FEB-B853-BE1FB1595D92}" type="datetimeFigureOut">
               <a:rPr lang="en-US" smtClean="0"/>
-              <a:t>10/15/2012</a:t>
+              <a:pPr/>
+              <a:t>10/20/2012</a:t>
             </a:fld>
             <a:endParaRPr lang="en-US"/>
           </a:p>
@@ -1788,6 +1802,7 @@
           <a:p>
             <a:fld id="{8D7E45D7-D0C4-44E3-9EA1-D078125991BA}" type="slidenum">
               <a:rPr lang="en-US" smtClean="0"/>
+              <a:pPr/>
               <a:t>‹#›</a:t>
             </a:fld>
             <a:endParaRPr lang="en-US"/>
@@ -1859,7 +1874,8 @@
           <a:p>
             <a:fld id="{78CD59C7-ADFE-4FEB-B853-BE1FB1595D92}" type="datetimeFigureOut">
               <a:rPr lang="en-US" smtClean="0"/>
-              <a:t>10/15/2012</a:t>
+              <a:pPr/>
+              <a:t>10/20/2012</a:t>
             </a:fld>
             <a:endParaRPr lang="en-US"/>
           </a:p>
@@ -1901,6 +1917,7 @@
           <a:p>
             <a:fld id="{8D7E45D7-D0C4-44E3-9EA1-D078125991BA}" type="slidenum">
               <a:rPr lang="en-US" smtClean="0"/>
+              <a:pPr/>
               <a:t>‹#›</a:t>
             </a:fld>
             <a:endParaRPr lang="en-US"/>
@@ -1949,7 +1966,8 @@
           <a:p>
             <a:fld id="{78CD59C7-ADFE-4FEB-B853-BE1FB1595D92}" type="datetimeFigureOut">
               <a:rPr lang="en-US" smtClean="0"/>
-              <a:t>10/15/2012</a:t>
+              <a:pPr/>
+              <a:t>10/20/2012</a:t>
             </a:fld>
             <a:endParaRPr lang="en-US"/>
           </a:p>
@@ -1991,6 +2009,7 @@
           <a:p>
             <a:fld id="{8D7E45D7-D0C4-44E3-9EA1-D078125991BA}" type="slidenum">
               <a:rPr lang="en-US" smtClean="0"/>
+              <a:pPr/>
               <a:t>‹#›</a:t>
             </a:fld>
             <a:endParaRPr lang="en-US"/>
@@ -2221,7 +2240,8 @@
           <a:p>
             <a:fld id="{78CD59C7-ADFE-4FEB-B853-BE1FB1595D92}" type="datetimeFigureOut">
               <a:rPr lang="en-US" smtClean="0"/>
-              <a:t>10/15/2012</a:t>
+              <a:pPr/>
+              <a:t>10/20/2012</a:t>
             </a:fld>
             <a:endParaRPr lang="en-US"/>
           </a:p>
@@ -2263,6 +2283,7 @@
           <a:p>
             <a:fld id="{8D7E45D7-D0C4-44E3-9EA1-D078125991BA}" type="slidenum">
               <a:rPr lang="en-US" smtClean="0"/>
+              <a:pPr/>
               <a:t>‹#›</a:t>
             </a:fld>
             <a:endParaRPr lang="en-US"/>
@@ -2469,7 +2490,8 @@
           <a:p>
             <a:fld id="{78CD59C7-ADFE-4FEB-B853-BE1FB1595D92}" type="datetimeFigureOut">
               <a:rPr lang="en-US" smtClean="0"/>
-              <a:t>10/15/2012</a:t>
+              <a:pPr/>
+              <a:t>10/20/2012</a:t>
             </a:fld>
             <a:endParaRPr lang="en-US"/>
           </a:p>
@@ -2511,6 +2533,7 @@
           <a:p>
             <a:fld id="{8D7E45D7-D0C4-44E3-9EA1-D078125991BA}" type="slidenum">
               <a:rPr lang="en-US" smtClean="0"/>
+              <a:pPr/>
               <a:t>‹#›</a:t>
             </a:fld>
             <a:endParaRPr lang="en-US"/>
@@ -2677,7 +2700,8 @@
           <a:p>
             <a:fld id="{78CD59C7-ADFE-4FEB-B853-BE1FB1595D92}" type="datetimeFigureOut">
               <a:rPr lang="en-US" smtClean="0"/>
-              <a:t>10/15/2012</a:t>
+              <a:pPr/>
+              <a:t>10/20/2012</a:t>
             </a:fld>
             <a:endParaRPr lang="en-US"/>
           </a:p>
@@ -2755,6 +2779,7 @@
           <a:p>
             <a:fld id="{8D7E45D7-D0C4-44E3-9EA1-D078125991BA}" type="slidenum">
               <a:rPr lang="en-US" smtClean="0"/>
+              <a:pPr/>
               <a:t>‹#›</a:t>
             </a:fld>
             <a:endParaRPr lang="en-US"/>
@@ -3648,6 +3673,482 @@
 </p:sld>
 </file>
 
+<file path=ppt/slides/slide14.xml><?xml version="1.0" encoding="utf-8"?>
+<p:sld xmlns:a="http://schemas.openxmlformats.org/drawingml/2006/main" xmlns:r="http://schemas.openxmlformats.org/officeDocument/2006/relationships" xmlns:p="http://schemas.openxmlformats.org/presentationml/2006/main">
+  <p:cSld>
+    <p:spTree>
+      <p:nvGrpSpPr>
+        <p:cNvPr id="1" name=""/>
+        <p:cNvGrpSpPr/>
+        <p:nvPr/>
+      </p:nvGrpSpPr>
+      <p:grpSpPr>
+        <a:xfrm>
+          <a:off x="0" y="0"/>
+          <a:ext cx="0" cy="0"/>
+          <a:chOff x="0" y="0"/>
+          <a:chExt cx="0" cy="0"/>
+        </a:xfrm>
+      </p:grpSpPr>
+      <p:pic>
+        <p:nvPicPr>
+          <p:cNvPr id="4" name="Content Placeholder 3" descr="pixie-dust.jpg"/>
+          <p:cNvPicPr>
+            <a:picLocks noGrp="1" noChangeAspect="1"/>
+          </p:cNvPicPr>
+          <p:nvPr>
+            <p:ph idx="1"/>
+          </p:nvPr>
+        </p:nvPicPr>
+        <p:blipFill>
+          <a:blip r:embed="rId2" cstate="print"/>
+          <a:stretch>
+            <a:fillRect/>
+          </a:stretch>
+        </p:blipFill>
+        <p:spPr>
+          <a:xfrm>
+            <a:off x="838200" y="1600200"/>
+            <a:ext cx="3824972" cy="4525963"/>
+          </a:xfrm>
+        </p:spPr>
+      </p:pic>
+      <p:sp>
+        <p:nvSpPr>
+          <p:cNvPr id="5" name="TextBox 4"/>
+          <p:cNvSpPr txBox="1"/>
+          <p:nvPr/>
+        </p:nvSpPr>
+        <p:spPr>
+          <a:xfrm>
+            <a:off x="4953000" y="4800600"/>
+            <a:ext cx="3429000" cy="1015663"/>
+          </a:xfrm>
+          <a:prstGeom prst="rect">
+            <a:avLst/>
+          </a:prstGeom>
+          <a:noFill/>
+        </p:spPr>
+        <p:txBody>
+          <a:bodyPr wrap="square" rtlCol="0">
+            <a:spAutoFit/>
+          </a:bodyPr>
+          <a:lstStyle/>
+          <a:p>
+            <a:r>
+              <a:rPr lang="en-US" sz="6000" dirty="0" smtClean="0"/>
+              <a:t>GRIB</a:t>
+            </a:r>
+            <a:endParaRPr lang="en-US" dirty="0"/>
+          </a:p>
+        </p:txBody>
+      </p:sp>
+      <p:sp>
+        <p:nvSpPr>
+          <p:cNvPr id="6" name="TextBox 5"/>
+          <p:cNvSpPr txBox="1"/>
+          <p:nvPr/>
+        </p:nvSpPr>
+        <p:spPr>
+          <a:xfrm>
+            <a:off x="4953000" y="4724400"/>
+            <a:ext cx="3429000" cy="1015663"/>
+          </a:xfrm>
+          <a:prstGeom prst="rect">
+            <a:avLst/>
+          </a:prstGeom>
+          <a:solidFill>
+            <a:schemeClr val="bg1"/>
+          </a:solidFill>
+        </p:spPr>
+        <p:txBody>
+          <a:bodyPr wrap="square" rtlCol="0">
+            <a:spAutoFit/>
+          </a:bodyPr>
+          <a:lstStyle/>
+          <a:p>
+            <a:r>
+              <a:rPr lang="en-US" sz="6000" dirty="0" smtClean="0"/>
+              <a:t>netCDF-4</a:t>
+            </a:r>
+            <a:endParaRPr lang="en-US" dirty="0"/>
+          </a:p>
+        </p:txBody>
+      </p:sp>
+      <p:pic>
+        <p:nvPicPr>
+          <p:cNvPr id="8" name="Picture 7" descr="eye240x320.gif"/>
+          <p:cNvPicPr>
+            <a:picLocks noChangeAspect="1"/>
+          </p:cNvPicPr>
+          <p:nvPr/>
+        </p:nvPicPr>
+        <p:blipFill>
+          <a:blip r:embed="rId3" cstate="print"/>
+          <a:stretch>
+            <a:fillRect/>
+          </a:stretch>
+        </p:blipFill>
+        <p:spPr>
+          <a:xfrm>
+            <a:off x="5105400" y="1244600"/>
+            <a:ext cx="2667000" cy="3556000"/>
+          </a:xfrm>
+          <a:prstGeom prst="rect">
+            <a:avLst/>
+          </a:prstGeom>
+        </p:spPr>
+      </p:pic>
+      <p:sp>
+        <p:nvSpPr>
+          <p:cNvPr id="9" name="TextBox 8"/>
+          <p:cNvSpPr txBox="1"/>
+          <p:nvPr/>
+        </p:nvSpPr>
+        <p:spPr>
+          <a:xfrm>
+            <a:off x="1143000" y="457200"/>
+            <a:ext cx="2057400" cy="461665"/>
+          </a:xfrm>
+          <a:prstGeom prst="rect">
+            <a:avLst/>
+          </a:prstGeom>
+          <a:noFill/>
+        </p:spPr>
+        <p:txBody>
+          <a:bodyPr wrap="square" rtlCol="0">
+            <a:spAutoFit/>
+          </a:bodyPr>
+          <a:lstStyle/>
+          <a:p>
+            <a:r>
+              <a:rPr lang="en-US" sz="2400" dirty="0" smtClean="0"/>
+              <a:t>Future Plans</a:t>
+            </a:r>
+            <a:endParaRPr lang="en-US" sz="2400" dirty="0"/>
+          </a:p>
+        </p:txBody>
+      </p:sp>
+      <p:sp>
+        <p:nvSpPr>
+          <p:cNvPr id="10" name="TextBox 9"/>
+          <p:cNvSpPr txBox="1"/>
+          <p:nvPr/>
+        </p:nvSpPr>
+        <p:spPr>
+          <a:xfrm>
+            <a:off x="2895600" y="457200"/>
+            <a:ext cx="3276600" cy="461665"/>
+          </a:xfrm>
+          <a:prstGeom prst="rect">
+            <a:avLst/>
+          </a:prstGeom>
+          <a:noFill/>
+        </p:spPr>
+        <p:txBody>
+          <a:bodyPr wrap="square" rtlCol="0">
+            <a:spAutoFit/>
+          </a:bodyPr>
+          <a:lstStyle/>
+          <a:p>
+            <a:r>
+              <a:rPr lang="en-US" sz="2400" dirty="0" smtClean="0"/>
+              <a:t>For </a:t>
+            </a:r>
+            <a:r>
+              <a:rPr lang="en-US" sz="2400" smtClean="0"/>
+              <a:t>World </a:t>
+            </a:r>
+            <a:r>
+              <a:rPr lang="en-US" sz="2400" smtClean="0"/>
+              <a:t>Domination</a:t>
+            </a:r>
+            <a:endParaRPr lang="en-US" dirty="0"/>
+          </a:p>
+        </p:txBody>
+      </p:sp>
+    </p:spTree>
+  </p:cSld>
+  <p:clrMapOvr>
+    <a:masterClrMapping/>
+  </p:clrMapOvr>
+  <p:timing>
+    <p:tnLst>
+      <p:par>
+        <p:cTn id="1" dur="indefinite" restart="never" nodeType="tmRoot">
+          <p:childTnLst>
+            <p:seq concurrent="1" nextAc="seek">
+              <p:cTn id="2" dur="indefinite" nodeType="mainSeq">
+                <p:childTnLst>
+                  <p:par>
+                    <p:cTn id="3" fill="hold">
+                      <p:stCondLst>
+                        <p:cond delay="indefinite"/>
+                      </p:stCondLst>
+                      <p:childTnLst>
+                        <p:par>
+                          <p:cTn id="4" fill="hold">
+                            <p:stCondLst>
+                              <p:cond delay="0"/>
+                            </p:stCondLst>
+                            <p:childTnLst>
+                              <p:par>
+                                <p:cTn id="5" presetID="56" presetClass="entr" presetSubtype="0" fill="hold" nodeType="clickEffect">
+                                  <p:stCondLst>
+                                    <p:cond delay="0"/>
+                                  </p:stCondLst>
+                                  <p:iterate type="lt">
+                                    <p:tmPct val="10000"/>
+                                  </p:iterate>
+                                  <p:childTnLst>
+                                    <p:set>
+                                      <p:cBhvr>
+                                        <p:cTn id="6" dur="1" fill="hold">
+                                          <p:stCondLst>
+                                            <p:cond delay="0"/>
+                                          </p:stCondLst>
+                                        </p:cTn>
+                                        <p:tgtEl>
+                                          <p:spTgt spid="4"/>
+                                        </p:tgtEl>
+                                        <p:attrNameLst>
+                                          <p:attrName>style.visibility</p:attrName>
+                                        </p:attrNameLst>
+                                      </p:cBhvr>
+                                      <p:to>
+                                        <p:strVal val="visible"/>
+                                      </p:to>
+                                    </p:set>
+                                    <p:anim by="(-#ppt_w*2)" calcmode="lin" valueType="num">
+                                      <p:cBhvr rctx="PPT">
+                                        <p:cTn id="7" dur="1000" autoRev="1" fill="hold">
+                                          <p:stCondLst>
+                                            <p:cond delay="0"/>
+                                          </p:stCondLst>
+                                        </p:cTn>
+                                        <p:tgtEl>
+                                          <p:spTgt spid="4"/>
+                                        </p:tgtEl>
+                                        <p:attrNameLst>
+                                          <p:attrName>ppt_w</p:attrName>
+                                        </p:attrNameLst>
+                                      </p:cBhvr>
+                                    </p:anim>
+                                    <p:anim by="(#ppt_w*0.50)" calcmode="lin" valueType="num">
+                                      <p:cBhvr>
+                                        <p:cTn id="8" dur="1000" decel="50000" autoRev="1" fill="hold">
+                                          <p:stCondLst>
+                                            <p:cond delay="0"/>
+                                          </p:stCondLst>
+                                        </p:cTn>
+                                        <p:tgtEl>
+                                          <p:spTgt spid="4"/>
+                                        </p:tgtEl>
+                                        <p:attrNameLst>
+                                          <p:attrName>ppt_x</p:attrName>
+                                        </p:attrNameLst>
+                                      </p:cBhvr>
+                                    </p:anim>
+                                    <p:anim from="(-#ppt_h/2)" to="(#ppt_y)" calcmode="lin" valueType="num">
+                                      <p:cBhvr>
+                                        <p:cTn id="9" dur="2000" fill="hold">
+                                          <p:stCondLst>
+                                            <p:cond delay="0"/>
+                                          </p:stCondLst>
+                                        </p:cTn>
+                                        <p:tgtEl>
+                                          <p:spTgt spid="4"/>
+                                        </p:tgtEl>
+                                        <p:attrNameLst>
+                                          <p:attrName>ppt_y</p:attrName>
+                                        </p:attrNameLst>
+                                      </p:cBhvr>
+                                    </p:anim>
+                                    <p:animRot by="21600000">
+                                      <p:cBhvr>
+                                        <p:cTn id="10" dur="2000" fill="hold">
+                                          <p:stCondLst>
+                                            <p:cond delay="0"/>
+                                          </p:stCondLst>
+                                        </p:cTn>
+                                        <p:tgtEl>
+                                          <p:spTgt spid="4"/>
+                                        </p:tgtEl>
+                                        <p:attrNameLst>
+                                          <p:attrName>r</p:attrName>
+                                        </p:attrNameLst>
+                                      </p:cBhvr>
+                                    </p:animRot>
+                                  </p:childTnLst>
+                                </p:cTn>
+                              </p:par>
+                            </p:childTnLst>
+                          </p:cTn>
+                        </p:par>
+                        <p:par>
+                          <p:cTn id="11" fill="hold">
+                            <p:stCondLst>
+                              <p:cond delay="2000"/>
+                            </p:stCondLst>
+                            <p:childTnLst>
+                              <p:par>
+                                <p:cTn id="12" presetID="10" presetClass="entr" presetSubtype="0" fill="hold" grpId="0" nodeType="afterEffect">
+                                  <p:stCondLst>
+                                    <p:cond delay="0"/>
+                                  </p:stCondLst>
+                                  <p:childTnLst>
+                                    <p:set>
+                                      <p:cBhvr>
+                                        <p:cTn id="13" dur="1" fill="hold">
+                                          <p:stCondLst>
+                                            <p:cond delay="0"/>
+                                          </p:stCondLst>
+                                        </p:cTn>
+                                        <p:tgtEl>
+                                          <p:spTgt spid="6"/>
+                                        </p:tgtEl>
+                                        <p:attrNameLst>
+                                          <p:attrName>style.visibility</p:attrName>
+                                        </p:attrNameLst>
+                                      </p:cBhvr>
+                                      <p:to>
+                                        <p:strVal val="visible"/>
+                                      </p:to>
+                                    </p:set>
+                                    <p:animEffect transition="in" filter="fade">
+                                      <p:cBhvr>
+                                        <p:cTn id="14" dur="3000"/>
+                                        <p:tgtEl>
+                                          <p:spTgt spid="6"/>
+                                        </p:tgtEl>
+                                      </p:cBhvr>
+                                    </p:animEffect>
+                                  </p:childTnLst>
+                                </p:cTn>
+                              </p:par>
+                            </p:childTnLst>
+                          </p:cTn>
+                        </p:par>
+                        <p:par>
+                          <p:cTn id="15" fill="hold">
+                            <p:stCondLst>
+                              <p:cond delay="5000"/>
+                            </p:stCondLst>
+                            <p:childTnLst>
+                              <p:par>
+                                <p:cTn id="16" presetID="10" presetClass="entr" presetSubtype="0" fill="hold" nodeType="afterEffect">
+                                  <p:stCondLst>
+                                    <p:cond delay="0"/>
+                                  </p:stCondLst>
+                                  <p:childTnLst>
+                                    <p:set>
+                                      <p:cBhvr>
+                                        <p:cTn id="17" dur="1" fill="hold">
+                                          <p:stCondLst>
+                                            <p:cond delay="0"/>
+                                          </p:stCondLst>
+                                        </p:cTn>
+                                        <p:tgtEl>
+                                          <p:spTgt spid="8"/>
+                                        </p:tgtEl>
+                                        <p:attrNameLst>
+                                          <p:attrName>style.visibility</p:attrName>
+                                        </p:attrNameLst>
+                                      </p:cBhvr>
+                                      <p:to>
+                                        <p:strVal val="visible"/>
+                                      </p:to>
+                                    </p:set>
+                                    <p:animEffect transition="in" filter="fade">
+                                      <p:cBhvr>
+                                        <p:cTn id="18" dur="5000"/>
+                                        <p:tgtEl>
+                                          <p:spTgt spid="8"/>
+                                        </p:tgtEl>
+                                      </p:cBhvr>
+                                    </p:animEffect>
+                                  </p:childTnLst>
+                                </p:cTn>
+                              </p:par>
+                            </p:childTnLst>
+                          </p:cTn>
+                        </p:par>
+                        <p:par>
+                          <p:cTn id="19" fill="hold">
+                            <p:stCondLst>
+                              <p:cond delay="10000"/>
+                            </p:stCondLst>
+                            <p:childTnLst>
+                              <p:par>
+                                <p:cTn id="20" presetID="5" presetClass="entr" presetSubtype="10" fill="hold" grpId="0" nodeType="afterEffect">
+                                  <p:stCondLst>
+                                    <p:cond delay="0"/>
+                                  </p:stCondLst>
+                                  <p:childTnLst>
+                                    <p:set>
+                                      <p:cBhvr>
+                                        <p:cTn id="21" dur="1" fill="hold">
+                                          <p:stCondLst>
+                                            <p:cond delay="0"/>
+                                          </p:stCondLst>
+                                        </p:cTn>
+                                        <p:tgtEl>
+                                          <p:spTgt spid="10"/>
+                                        </p:tgtEl>
+                                        <p:attrNameLst>
+                                          <p:attrName>style.visibility</p:attrName>
+                                        </p:attrNameLst>
+                                      </p:cBhvr>
+                                      <p:to>
+                                        <p:strVal val="visible"/>
+                                      </p:to>
+                                    </p:set>
+                                    <p:animEffect transition="in" filter="checkerboard(across)">
+                                      <p:cBhvr>
+                                        <p:cTn id="22" dur="3000"/>
+                                        <p:tgtEl>
+                                          <p:spTgt spid="10"/>
+                                        </p:tgtEl>
+                                      </p:cBhvr>
+                                    </p:animEffect>
+                                  </p:childTnLst>
+                                </p:cTn>
+                              </p:par>
+                            </p:childTnLst>
+                          </p:cTn>
+                        </p:par>
+                      </p:childTnLst>
+                    </p:cTn>
+                  </p:par>
+                </p:childTnLst>
+              </p:cTn>
+              <p:prevCondLst>
+                <p:cond evt="onPrev" delay="0">
+                  <p:tgtEl>
+                    <p:sldTgt/>
+                  </p:tgtEl>
+                </p:cond>
+              </p:prevCondLst>
+              <p:nextCondLst>
+                <p:cond evt="onNext" delay="0">
+                  <p:tgtEl>
+                    <p:sldTgt/>
+                  </p:tgtEl>
+                </p:cond>
+              </p:nextCondLst>
+            </p:seq>
+          </p:childTnLst>
+        </p:cTn>
+      </p:par>
+    </p:tnLst>
+    <p:bldLst>
+      <p:bldP spid="6" grpId="0" animBg="1"/>
+      <p:bldP spid="10" grpId="0"/>
+    </p:bldLst>
+  </p:timing>
+</p:sld>
+</file>
+
 <file path=ppt/slides/slide2.xml><?xml version="1.0" encoding="utf-8"?>
 <p:sld xmlns:a="http://schemas.openxmlformats.org/drawingml/2006/main" xmlns:r="http://schemas.openxmlformats.org/officeDocument/2006/relationships" xmlns:p="http://schemas.openxmlformats.org/presentationml/2006/main">
   <p:cSld>
@@ -3777,6 +4278,100 @@
               <a:buNone/>
             </a:pPr>
             <a:r>
+              <a:rPr lang="en-US" sz="2000" b="1" dirty="0">
+                <a:latin typeface="Courier New" pitchFamily="49" charset="0"/>
+                <a:cs typeface="Courier New" pitchFamily="49" charset="0"/>
+              </a:rPr>
+              <a:t> </a:t>
+            </a:r>
+            <a:r>
+              <a:rPr lang="en-US" sz="2000" b="1" dirty="0" smtClean="0">
+                <a:latin typeface="Courier New" pitchFamily="49" charset="0"/>
+                <a:cs typeface="Courier New" pitchFamily="49" charset="0"/>
+              </a:rPr>
+              <a:t> float temp(time, </a:t>
+            </a:r>
+            <a:r>
+              <a:rPr lang="en-US" sz="2000" b="1" dirty="0" smtClean="0">
+                <a:latin typeface="Courier New" pitchFamily="49" charset="0"/>
+                <a:cs typeface="Courier New" pitchFamily="49" charset="0"/>
+              </a:rPr>
+              <a:t>lat</a:t>
+            </a:r>
+            <a:r>
+              <a:rPr lang="en-US" sz="2000" b="1" dirty="0" smtClean="0">
+                <a:latin typeface="Courier New" pitchFamily="49" charset="0"/>
+                <a:cs typeface="Courier New" pitchFamily="49" charset="0"/>
+              </a:rPr>
+              <a:t>, </a:t>
+            </a:r>
+            <a:r>
+              <a:rPr lang="en-US" sz="2000" b="1" dirty="0" err="1" smtClean="0">
+                <a:latin typeface="Courier New" pitchFamily="49" charset="0"/>
+                <a:cs typeface="Courier New" pitchFamily="49" charset="0"/>
+              </a:rPr>
+              <a:t>lon</a:t>
+            </a:r>
+            <a:r>
+              <a:rPr lang="en-US" sz="2000" b="1" dirty="0" smtClean="0">
+                <a:latin typeface="Courier New" pitchFamily="49" charset="0"/>
+                <a:cs typeface="Courier New" pitchFamily="49" charset="0"/>
+              </a:rPr>
+              <a:t>);</a:t>
+            </a:r>
+          </a:p>
+          <a:p>
+            <a:pPr>
+              <a:buNone/>
+            </a:pPr>
+            <a:r>
+              <a:rPr lang="en-US" sz="2000" b="1" dirty="0">
+                <a:latin typeface="Courier New" pitchFamily="49" charset="0"/>
+                <a:cs typeface="Courier New" pitchFamily="49" charset="0"/>
+              </a:rPr>
+              <a:t> </a:t>
+            </a:r>
+            <a:r>
+              <a:rPr lang="en-US" sz="2000" b="1" dirty="0" smtClean="0">
+                <a:latin typeface="Courier New" pitchFamily="49" charset="0"/>
+                <a:cs typeface="Courier New" pitchFamily="49" charset="0"/>
+              </a:rPr>
+              <a:t>   </a:t>
+            </a:r>
+            <a:r>
+              <a:rPr lang="en-US" sz="2000" b="1" dirty="0" err="1" smtClean="0">
+                <a:latin typeface="Courier New" pitchFamily="49" charset="0"/>
+                <a:cs typeface="Courier New" pitchFamily="49" charset="0"/>
+              </a:rPr>
+              <a:t>temp:coordinates</a:t>
+            </a:r>
+            <a:r>
+              <a:rPr lang="en-US" sz="2000" b="1" dirty="0" smtClean="0">
+                <a:latin typeface="Courier New" pitchFamily="49" charset="0"/>
+                <a:cs typeface="Courier New" pitchFamily="49" charset="0"/>
+              </a:rPr>
+              <a:t> = “time lat </a:t>
+            </a:r>
+            <a:r>
+              <a:rPr lang="en-US" sz="2000" b="1" dirty="0" err="1" smtClean="0">
+                <a:latin typeface="Courier New" pitchFamily="49" charset="0"/>
+                <a:cs typeface="Courier New" pitchFamily="49" charset="0"/>
+              </a:rPr>
+              <a:t>lon</a:t>
+            </a:r>
+            <a:r>
+              <a:rPr lang="en-US" sz="2000" b="1" dirty="0" smtClean="0">
+                <a:latin typeface="Courier New" pitchFamily="49" charset="0"/>
+                <a:cs typeface="Courier New" pitchFamily="49" charset="0"/>
+              </a:rPr>
+              <a:t>”;</a:t>
+            </a:r>
+          </a:p>
+          <a:p>
+            <a:pPr>
+              <a:buNone/>
+            </a:pPr>
+            <a:r>
               <a:rPr lang="en-US" sz="2000" dirty="0">
                 <a:latin typeface="Courier New" pitchFamily="49" charset="0"/>
                 <a:cs typeface="Courier New" pitchFamily="49" charset="0"/>
@@ -3788,7 +4383,73 @@
                 <a:latin typeface="Courier New" pitchFamily="49" charset="0"/>
                 <a:cs typeface="Courier New" pitchFamily="49" charset="0"/>
               </a:rPr>
-              <a:t> float temp(time, alt, lat, </a:t>
+              <a:t> float lat(lat);</a:t>
+            </a:r>
+          </a:p>
+          <a:p>
+            <a:pPr>
+              <a:buNone/>
+            </a:pPr>
+            <a:r>
+              <a:rPr lang="en-US" sz="2000" dirty="0">
+                <a:latin typeface="Courier New" pitchFamily="49" charset="0"/>
+                <a:cs typeface="Courier New" pitchFamily="49" charset="0"/>
+              </a:rPr>
+              <a:t> </a:t>
+            </a:r>
+            <a:r>
+              <a:rPr lang="en-US" sz="2000" dirty="0" smtClean="0">
+                <a:latin typeface="Courier New" pitchFamily="49" charset="0"/>
+                <a:cs typeface="Courier New" pitchFamily="49" charset="0"/>
+              </a:rPr>
+              <a:t>   </a:t>
+            </a:r>
+            <a:r>
+              <a:rPr lang="en-US" sz="2000" dirty="0" err="1" smtClean="0">
+                <a:latin typeface="Courier New" pitchFamily="49" charset="0"/>
+                <a:cs typeface="Courier New" pitchFamily="49" charset="0"/>
+              </a:rPr>
+              <a:t>lat:units</a:t>
+            </a:r>
+            <a:r>
+              <a:rPr lang="en-US" sz="2000" dirty="0" smtClean="0">
+                <a:latin typeface="Courier New" pitchFamily="49" charset="0"/>
+                <a:cs typeface="Courier New" pitchFamily="49" charset="0"/>
+              </a:rPr>
+              <a:t> = “</a:t>
+            </a:r>
+            <a:r>
+              <a:rPr lang="en-US" sz="2000" dirty="0" err="1" smtClean="0">
+                <a:latin typeface="Courier New" pitchFamily="49" charset="0"/>
+                <a:cs typeface="Courier New" pitchFamily="49" charset="0"/>
+              </a:rPr>
+              <a:t>degrees_north</a:t>
+            </a:r>
+            <a:r>
+              <a:rPr lang="en-US" sz="2000" dirty="0" smtClean="0">
+                <a:latin typeface="Courier New" pitchFamily="49" charset="0"/>
+                <a:cs typeface="Courier New" pitchFamily="49" charset="0"/>
+              </a:rPr>
+              <a:t>”;</a:t>
+            </a:r>
+          </a:p>
+          <a:p>
+            <a:pPr>
+              <a:buNone/>
+            </a:pPr>
+            <a:r>
+              <a:rPr lang="en-US" sz="2000" dirty="0">
+                <a:latin typeface="Courier New" pitchFamily="49" charset="0"/>
+                <a:cs typeface="Courier New" pitchFamily="49" charset="0"/>
+              </a:rPr>
+              <a:t> </a:t>
+            </a:r>
+            <a:r>
+              <a:rPr lang="en-US" sz="2000" dirty="0" smtClean="0">
+                <a:latin typeface="Courier New" pitchFamily="49" charset="0"/>
+                <a:cs typeface="Courier New" pitchFamily="49" charset="0"/>
+              </a:rPr>
+              <a:t> float </a:t>
             </a:r>
             <a:r>
               <a:rPr lang="en-US" sz="2000" dirty="0" err="1" smtClean="0">
@@ -3802,7 +4463,73 @@
                 <a:latin typeface="Courier New" pitchFamily="49" charset="0"/>
                 <a:cs typeface="Courier New" pitchFamily="49" charset="0"/>
               </a:rPr>
+              <a:t>(</a:t>
+            </a:r>
+            <a:r>
+              <a:rPr lang="en-US" sz="2000" dirty="0" err="1" smtClean="0">
+                <a:latin typeface="Courier New" pitchFamily="49" charset="0"/>
+                <a:cs typeface="Courier New" pitchFamily="49" charset="0"/>
+              </a:rPr>
+              <a:t>lon</a:t>
+            </a:r>
+            <a:r>
+              <a:rPr lang="en-US" sz="2000" dirty="0" smtClean="0">
+                <a:latin typeface="Courier New" pitchFamily="49" charset="0"/>
+                <a:cs typeface="Courier New" pitchFamily="49" charset="0"/>
+              </a:rPr>
               <a:t>);</a:t>
+            </a:r>
+          </a:p>
+          <a:p>
+            <a:pPr>
+              <a:buNone/>
+            </a:pPr>
+            <a:r>
+              <a:rPr lang="en-US" sz="2000" dirty="0" smtClean="0">
+                <a:latin typeface="Courier New" pitchFamily="49" charset="0"/>
+                <a:cs typeface="Courier New" pitchFamily="49" charset="0"/>
+              </a:rPr>
+              <a:t>    </a:t>
+            </a:r>
+            <a:r>
+              <a:rPr lang="en-US" sz="2000" dirty="0" err="1" smtClean="0">
+                <a:latin typeface="Courier New" pitchFamily="49" charset="0"/>
+                <a:cs typeface="Courier New" pitchFamily="49" charset="0"/>
+              </a:rPr>
+              <a:t>lon:units</a:t>
+            </a:r>
+            <a:r>
+              <a:rPr lang="en-US" sz="2000" dirty="0" smtClean="0">
+                <a:latin typeface="Courier New" pitchFamily="49" charset="0"/>
+                <a:cs typeface="Courier New" pitchFamily="49" charset="0"/>
+              </a:rPr>
+              <a:t> = “</a:t>
+            </a:r>
+            <a:r>
+              <a:rPr lang="en-US" sz="2000" dirty="0" err="1" smtClean="0">
+                <a:latin typeface="Courier New" pitchFamily="49" charset="0"/>
+                <a:cs typeface="Courier New" pitchFamily="49" charset="0"/>
+              </a:rPr>
+              <a:t>degrees_east</a:t>
+            </a:r>
+            <a:r>
+              <a:rPr lang="en-US" sz="2000" dirty="0" smtClean="0">
+                <a:latin typeface="Courier New" pitchFamily="49" charset="0"/>
+                <a:cs typeface="Courier New" pitchFamily="49" charset="0"/>
+              </a:rPr>
+              <a:t>”;</a:t>
+            </a:r>
+          </a:p>
+          <a:p>
+            <a:pPr>
+              <a:buNone/>
+            </a:pPr>
+            <a:r>
+              <a:rPr lang="en-US" sz="2000" dirty="0" smtClean="0">
+                <a:latin typeface="Courier New" pitchFamily="49" charset="0"/>
+                <a:cs typeface="Courier New" pitchFamily="49" charset="0"/>
+              </a:rPr>
+              <a:t>  float time(time);</a:t>
             </a:r>
           </a:p>
           <a:p>
@@ -3828,233 +4555,14 @@
                 <a:latin typeface="Courier New" pitchFamily="49" charset="0"/>
                 <a:cs typeface="Courier New" pitchFamily="49" charset="0"/>
               </a:rPr>
-              <a:t>temp:coordinates</a:t>
+              <a:t>time:units</a:t>
             </a:r>
             <a:r>
               <a:rPr lang="en-US" sz="2000" dirty="0" smtClean="0">
                 <a:latin typeface="Courier New" pitchFamily="49" charset="0"/>
                 <a:cs typeface="Courier New" pitchFamily="49" charset="0"/>
               </a:rPr>
-              <a:t> = “time lat </a:t>
-            </a:r>
-            <a:r>
-              <a:rPr lang="en-US" sz="2000" dirty="0" err="1" smtClean="0">
-                <a:latin typeface="Courier New" pitchFamily="49" charset="0"/>
-                <a:cs typeface="Courier New" pitchFamily="49" charset="0"/>
-              </a:rPr>
-              <a:t>lon</a:t>
-            </a:r>
-            <a:r>
-              <a:rPr lang="en-US" sz="2000" dirty="0" smtClean="0">
-                <a:latin typeface="Courier New" pitchFamily="49" charset="0"/>
-                <a:cs typeface="Courier New" pitchFamily="49" charset="0"/>
-              </a:rPr>
-              <a:t>”;</a:t>
-            </a:r>
-          </a:p>
-          <a:p>
-            <a:pPr>
-              <a:buNone/>
-            </a:pPr>
-            <a:r>
-              <a:rPr lang="en-US" sz="2000" dirty="0">
-                <a:latin typeface="Courier New" pitchFamily="49" charset="0"/>
-                <a:cs typeface="Courier New" pitchFamily="49" charset="0"/>
-              </a:rPr>
-              <a:t> </a:t>
-            </a:r>
-            <a:r>
-              <a:rPr lang="en-US" sz="2000" dirty="0" smtClean="0">
-                <a:latin typeface="Courier New" pitchFamily="49" charset="0"/>
-                <a:cs typeface="Courier New" pitchFamily="49" charset="0"/>
-              </a:rPr>
-              <a:t> float lat(lat);</a:t>
-            </a:r>
-          </a:p>
-          <a:p>
-            <a:pPr>
-              <a:buNone/>
-            </a:pPr>
-            <a:r>
-              <a:rPr lang="en-US" sz="2000" dirty="0">
-                <a:latin typeface="Courier New" pitchFamily="49" charset="0"/>
-                <a:cs typeface="Courier New" pitchFamily="49" charset="0"/>
-              </a:rPr>
-              <a:t> </a:t>
-            </a:r>
-            <a:r>
-              <a:rPr lang="en-US" sz="2000" dirty="0" smtClean="0">
-                <a:latin typeface="Courier New" pitchFamily="49" charset="0"/>
-                <a:cs typeface="Courier New" pitchFamily="49" charset="0"/>
-              </a:rPr>
-              <a:t>   </a:t>
-            </a:r>
-            <a:r>
-              <a:rPr lang="en-US" sz="2000" dirty="0" err="1" smtClean="0">
-                <a:latin typeface="Courier New" pitchFamily="49" charset="0"/>
-                <a:cs typeface="Courier New" pitchFamily="49" charset="0"/>
-              </a:rPr>
-              <a:t>lat:units</a:t>
-            </a:r>
-            <a:r>
-              <a:rPr lang="en-US" sz="2000" dirty="0" smtClean="0">
-                <a:latin typeface="Courier New" pitchFamily="49" charset="0"/>
-                <a:cs typeface="Courier New" pitchFamily="49" charset="0"/>
-              </a:rPr>
-              <a:t> = “</a:t>
-            </a:r>
-            <a:r>
-              <a:rPr lang="en-US" sz="2000" dirty="0" err="1" smtClean="0">
-                <a:latin typeface="Courier New" pitchFamily="49" charset="0"/>
-                <a:cs typeface="Courier New" pitchFamily="49" charset="0"/>
-              </a:rPr>
-              <a:t>degrees_north</a:t>
-            </a:r>
-            <a:r>
-              <a:rPr lang="en-US" sz="2000" dirty="0" smtClean="0">
-                <a:latin typeface="Courier New" pitchFamily="49" charset="0"/>
-                <a:cs typeface="Courier New" pitchFamily="49" charset="0"/>
-              </a:rPr>
-              <a:t>”;</a:t>
-            </a:r>
-          </a:p>
-          <a:p>
-            <a:pPr>
-              <a:buNone/>
-            </a:pPr>
-            <a:r>
-              <a:rPr lang="en-US" sz="2000" dirty="0">
-                <a:latin typeface="Courier New" pitchFamily="49" charset="0"/>
-                <a:cs typeface="Courier New" pitchFamily="49" charset="0"/>
-              </a:rPr>
-              <a:t> </a:t>
-            </a:r>
-            <a:r>
-              <a:rPr lang="en-US" sz="2000" dirty="0" smtClean="0">
-                <a:latin typeface="Courier New" pitchFamily="49" charset="0"/>
-                <a:cs typeface="Courier New" pitchFamily="49" charset="0"/>
-              </a:rPr>
-              <a:t> float </a:t>
-            </a:r>
-            <a:r>
-              <a:rPr lang="en-US" sz="2000" dirty="0" err="1" smtClean="0">
-                <a:latin typeface="Courier New" pitchFamily="49" charset="0"/>
-                <a:cs typeface="Courier New" pitchFamily="49" charset="0"/>
-              </a:rPr>
-              <a:t>lon</a:t>
-            </a:r>
-            <a:r>
-              <a:rPr lang="en-US" sz="2000" dirty="0" smtClean="0">
-                <a:latin typeface="Courier New" pitchFamily="49" charset="0"/>
-                <a:cs typeface="Courier New" pitchFamily="49" charset="0"/>
-              </a:rPr>
-              <a:t>(</a:t>
-            </a:r>
-            <a:r>
-              <a:rPr lang="en-US" sz="2000" dirty="0" err="1" smtClean="0">
-                <a:latin typeface="Courier New" pitchFamily="49" charset="0"/>
-                <a:cs typeface="Courier New" pitchFamily="49" charset="0"/>
-              </a:rPr>
-              <a:t>lon</a:t>
-            </a:r>
-            <a:r>
-              <a:rPr lang="en-US" sz="2000" dirty="0" smtClean="0">
-                <a:latin typeface="Courier New" pitchFamily="49" charset="0"/>
-                <a:cs typeface="Courier New" pitchFamily="49" charset="0"/>
-              </a:rPr>
-              <a:t>);</a:t>
-            </a:r>
-          </a:p>
-          <a:p>
-            <a:pPr>
-              <a:buNone/>
-            </a:pPr>
-            <a:r>
-              <a:rPr lang="en-US" sz="2000" dirty="0" smtClean="0">
-                <a:latin typeface="Courier New" pitchFamily="49" charset="0"/>
-                <a:cs typeface="Courier New" pitchFamily="49" charset="0"/>
-              </a:rPr>
-              <a:t>    </a:t>
-            </a:r>
-            <a:r>
-              <a:rPr lang="en-US" sz="2000" dirty="0" err="1" smtClean="0">
-                <a:latin typeface="Courier New" pitchFamily="49" charset="0"/>
-                <a:cs typeface="Courier New" pitchFamily="49" charset="0"/>
-              </a:rPr>
-              <a:t>lon:units</a:t>
-            </a:r>
-            <a:r>
-              <a:rPr lang="en-US" sz="2000" dirty="0" smtClean="0">
-                <a:latin typeface="Courier New" pitchFamily="49" charset="0"/>
-                <a:cs typeface="Courier New" pitchFamily="49" charset="0"/>
-              </a:rPr>
-              <a:t> = “</a:t>
-            </a:r>
-            <a:r>
-              <a:rPr lang="en-US" sz="2000" dirty="0" err="1" smtClean="0">
-                <a:latin typeface="Courier New" pitchFamily="49" charset="0"/>
-                <a:cs typeface="Courier New" pitchFamily="49" charset="0"/>
-              </a:rPr>
-              <a:t>degrees_east</a:t>
-            </a:r>
-            <a:r>
-              <a:rPr lang="en-US" sz="2000" dirty="0" smtClean="0">
-                <a:latin typeface="Courier New" pitchFamily="49" charset="0"/>
-                <a:cs typeface="Courier New" pitchFamily="49" charset="0"/>
-              </a:rPr>
-              <a:t>”;</a:t>
-            </a:r>
-          </a:p>
-          <a:p>
-            <a:pPr>
-              <a:buNone/>
-            </a:pPr>
-            <a:r>
-              <a:rPr lang="en-US" sz="2000" dirty="0" smtClean="0">
-                <a:latin typeface="Courier New" pitchFamily="49" charset="0"/>
-                <a:cs typeface="Courier New" pitchFamily="49" charset="0"/>
-              </a:rPr>
-              <a:t>  float time(time);</a:t>
-            </a:r>
-          </a:p>
-          <a:p>
-            <a:pPr>
-              <a:buNone/>
-            </a:pPr>
-            <a:r>
-              <a:rPr lang="en-US" sz="2000" dirty="0">
-                <a:latin typeface="Courier New" pitchFamily="49" charset="0"/>
-                <a:cs typeface="Courier New" pitchFamily="49" charset="0"/>
-              </a:rPr>
-              <a:t> </a:t>
-            </a:r>
-            <a:r>
-              <a:rPr lang="en-US" sz="2000" dirty="0" smtClean="0">
-                <a:latin typeface="Courier New" pitchFamily="49" charset="0"/>
-                <a:cs typeface="Courier New" pitchFamily="49" charset="0"/>
-              </a:rPr>
-              <a:t>   </a:t>
-            </a:r>
-            <a:r>
-              <a:rPr lang="en-US" sz="2000" dirty="0" err="1" smtClean="0">
-                <a:latin typeface="Courier New" pitchFamily="49" charset="0"/>
-                <a:cs typeface="Courier New" pitchFamily="49" charset="0"/>
-              </a:rPr>
-              <a:t>time:units</a:t>
-            </a:r>
-            <a:r>
-              <a:rPr lang="en-US" sz="2000" dirty="0" smtClean="0">
-                <a:latin typeface="Courier New" pitchFamily="49" charset="0"/>
-                <a:cs typeface="Courier New" pitchFamily="49" charset="0"/>
-              </a:rPr>
-              <a:t> = “months since 01-01-2012”;</a:t>
-            </a:r>
-            <a:r>
-              <a:rPr lang="en-US" sz="2000" dirty="0" smtClean="0">
-                <a:latin typeface="Courier New" pitchFamily="49" charset="0"/>
-                <a:cs typeface="Courier New" pitchFamily="49" charset="0"/>
-              </a:rPr>
-              <a:t> </a:t>
+              <a:t> = “months since 01-01-2012”; </a:t>
             </a:r>
             <a:endParaRPr lang="en-US" sz="2000" dirty="0">
               <a:latin typeface="Courier New" pitchFamily="49" charset="0"/>
@@ -4286,6 +4794,86 @@
               <a:buNone/>
             </a:pPr>
             <a:r>
+              <a:rPr lang="en-US" sz="2000" b="1" dirty="0">
+                <a:latin typeface="Courier New" pitchFamily="49" charset="0"/>
+                <a:cs typeface="Courier New" pitchFamily="49" charset="0"/>
+              </a:rPr>
+              <a:t> </a:t>
+            </a:r>
+            <a:r>
+              <a:rPr lang="en-US" sz="2000" b="1" dirty="0" smtClean="0">
+                <a:latin typeface="Courier New" pitchFamily="49" charset="0"/>
+                <a:cs typeface="Courier New" pitchFamily="49" charset="0"/>
+              </a:rPr>
+              <a:t> float temp(time, alt, lat, </a:t>
+            </a:r>
+            <a:r>
+              <a:rPr lang="en-US" sz="2000" b="1" dirty="0" err="1" smtClean="0">
+                <a:latin typeface="Courier New" pitchFamily="49" charset="0"/>
+                <a:cs typeface="Courier New" pitchFamily="49" charset="0"/>
+              </a:rPr>
+              <a:t>lon</a:t>
+            </a:r>
+            <a:r>
+              <a:rPr lang="en-US" sz="2000" b="1" dirty="0" smtClean="0">
+                <a:latin typeface="Courier New" pitchFamily="49" charset="0"/>
+                <a:cs typeface="Courier New" pitchFamily="49" charset="0"/>
+              </a:rPr>
+              <a:t>);</a:t>
+            </a:r>
+          </a:p>
+          <a:p>
+            <a:pPr>
+              <a:buNone/>
+            </a:pPr>
+            <a:r>
+              <a:rPr lang="en-US" sz="2000" b="1" dirty="0">
+                <a:latin typeface="Courier New" pitchFamily="49" charset="0"/>
+                <a:cs typeface="Courier New" pitchFamily="49" charset="0"/>
+              </a:rPr>
+              <a:t> </a:t>
+            </a:r>
+            <a:r>
+              <a:rPr lang="en-US" sz="2000" b="1" dirty="0" smtClean="0">
+                <a:latin typeface="Courier New" pitchFamily="49" charset="0"/>
+                <a:cs typeface="Courier New" pitchFamily="49" charset="0"/>
+              </a:rPr>
+              <a:t>   </a:t>
+            </a:r>
+            <a:r>
+              <a:rPr lang="en-US" sz="2000" b="1" dirty="0" err="1" smtClean="0">
+                <a:latin typeface="Courier New" pitchFamily="49" charset="0"/>
+                <a:cs typeface="Courier New" pitchFamily="49" charset="0"/>
+              </a:rPr>
+              <a:t>temp:coordinates</a:t>
+            </a:r>
+            <a:r>
+              <a:rPr lang="en-US" sz="2000" b="1" dirty="0" smtClean="0">
+                <a:latin typeface="Courier New" pitchFamily="49" charset="0"/>
+                <a:cs typeface="Courier New" pitchFamily="49" charset="0"/>
+              </a:rPr>
+              <a:t> = “time alt lat </a:t>
+            </a:r>
+            <a:r>
+              <a:rPr lang="en-US" sz="2000" b="1" dirty="0" err="1" smtClean="0">
+                <a:latin typeface="Courier New" pitchFamily="49" charset="0"/>
+                <a:cs typeface="Courier New" pitchFamily="49" charset="0"/>
+              </a:rPr>
+              <a:t>lon</a:t>
+            </a:r>
+            <a:r>
+              <a:rPr lang="en-US" sz="2000" b="1" dirty="0" smtClean="0">
+                <a:latin typeface="Courier New" pitchFamily="49" charset="0"/>
+                <a:cs typeface="Courier New" pitchFamily="49" charset="0"/>
+              </a:rPr>
+              <a:t>”;</a:t>
+            </a:r>
+          </a:p>
+          <a:p>
+            <a:pPr>
+              <a:buNone/>
+            </a:pPr>
+            <a:r>
               <a:rPr lang="en-US" sz="2000" dirty="0">
                 <a:latin typeface="Courier New" pitchFamily="49" charset="0"/>
                 <a:cs typeface="Courier New" pitchFamily="49" charset="0"/>
@@ -4297,7 +4885,73 @@
                 <a:latin typeface="Courier New" pitchFamily="49" charset="0"/>
                 <a:cs typeface="Courier New" pitchFamily="49" charset="0"/>
               </a:rPr>
-              <a:t> float temp(time, alt, lat, </a:t>
+              <a:t> float lat(lat);</a:t>
+            </a:r>
+          </a:p>
+          <a:p>
+            <a:pPr>
+              <a:buNone/>
+            </a:pPr>
+            <a:r>
+              <a:rPr lang="en-US" sz="2000" dirty="0">
+                <a:latin typeface="Courier New" pitchFamily="49" charset="0"/>
+                <a:cs typeface="Courier New" pitchFamily="49" charset="0"/>
+              </a:rPr>
+              <a:t> </a:t>
+            </a:r>
+            <a:r>
+              <a:rPr lang="en-US" sz="2000" dirty="0" smtClean="0">
+                <a:latin typeface="Courier New" pitchFamily="49" charset="0"/>
+                <a:cs typeface="Courier New" pitchFamily="49" charset="0"/>
+              </a:rPr>
+              <a:t>   </a:t>
+            </a:r>
+            <a:r>
+              <a:rPr lang="en-US" sz="2000" dirty="0" err="1" smtClean="0">
+                <a:latin typeface="Courier New" pitchFamily="49" charset="0"/>
+                <a:cs typeface="Courier New" pitchFamily="49" charset="0"/>
+              </a:rPr>
+              <a:t>lat:units</a:t>
+            </a:r>
+            <a:r>
+              <a:rPr lang="en-US" sz="2000" dirty="0" smtClean="0">
+                <a:latin typeface="Courier New" pitchFamily="49" charset="0"/>
+                <a:cs typeface="Courier New" pitchFamily="49" charset="0"/>
+              </a:rPr>
+              <a:t> = “</a:t>
+            </a:r>
+            <a:r>
+              <a:rPr lang="en-US" sz="2000" dirty="0" err="1" smtClean="0">
+                <a:latin typeface="Courier New" pitchFamily="49" charset="0"/>
+                <a:cs typeface="Courier New" pitchFamily="49" charset="0"/>
+              </a:rPr>
+              <a:t>degrees_north</a:t>
+            </a:r>
+            <a:r>
+              <a:rPr lang="en-US" sz="2000" dirty="0" smtClean="0">
+                <a:latin typeface="Courier New" pitchFamily="49" charset="0"/>
+                <a:cs typeface="Courier New" pitchFamily="49" charset="0"/>
+              </a:rPr>
+              <a:t>”;</a:t>
+            </a:r>
+          </a:p>
+          <a:p>
+            <a:pPr>
+              <a:buNone/>
+            </a:pPr>
+            <a:r>
+              <a:rPr lang="en-US" sz="2000" dirty="0">
+                <a:latin typeface="Courier New" pitchFamily="49" charset="0"/>
+                <a:cs typeface="Courier New" pitchFamily="49" charset="0"/>
+              </a:rPr>
+              <a:t> </a:t>
+            </a:r>
+            <a:r>
+              <a:rPr lang="en-US" sz="2000" dirty="0" smtClean="0">
+                <a:latin typeface="Courier New" pitchFamily="49" charset="0"/>
+                <a:cs typeface="Courier New" pitchFamily="49" charset="0"/>
+              </a:rPr>
+              <a:t> float </a:t>
             </a:r>
             <a:r>
               <a:rPr lang="en-US" sz="2000" dirty="0" err="1" smtClean="0">
@@ -4311,7 +4965,111 @@
                 <a:latin typeface="Courier New" pitchFamily="49" charset="0"/>
                 <a:cs typeface="Courier New" pitchFamily="49" charset="0"/>
               </a:rPr>
+              <a:t>(</a:t>
+            </a:r>
+            <a:r>
+              <a:rPr lang="en-US" sz="2000" dirty="0" err="1" smtClean="0">
+                <a:latin typeface="Courier New" pitchFamily="49" charset="0"/>
+                <a:cs typeface="Courier New" pitchFamily="49" charset="0"/>
+              </a:rPr>
+              <a:t>lon</a:t>
+            </a:r>
+            <a:r>
+              <a:rPr lang="en-US" sz="2000" dirty="0" smtClean="0">
+                <a:latin typeface="Courier New" pitchFamily="49" charset="0"/>
+                <a:cs typeface="Courier New" pitchFamily="49" charset="0"/>
+              </a:rPr>
               <a:t>);</a:t>
+            </a:r>
+          </a:p>
+          <a:p>
+            <a:pPr>
+              <a:buNone/>
+            </a:pPr>
+            <a:r>
+              <a:rPr lang="en-US" sz="2000" dirty="0" smtClean="0">
+                <a:latin typeface="Courier New" pitchFamily="49" charset="0"/>
+                <a:cs typeface="Courier New" pitchFamily="49" charset="0"/>
+              </a:rPr>
+              <a:t>    </a:t>
+            </a:r>
+            <a:r>
+              <a:rPr lang="en-US" sz="2000" dirty="0" err="1" smtClean="0">
+                <a:latin typeface="Courier New" pitchFamily="49" charset="0"/>
+                <a:cs typeface="Courier New" pitchFamily="49" charset="0"/>
+              </a:rPr>
+              <a:t>lon:units</a:t>
+            </a:r>
+            <a:r>
+              <a:rPr lang="en-US" sz="2000" dirty="0" smtClean="0">
+                <a:latin typeface="Courier New" pitchFamily="49" charset="0"/>
+                <a:cs typeface="Courier New" pitchFamily="49" charset="0"/>
+              </a:rPr>
+              <a:t> = “</a:t>
+            </a:r>
+            <a:r>
+              <a:rPr lang="en-US" sz="2000" dirty="0" err="1" smtClean="0">
+                <a:latin typeface="Courier New" pitchFamily="49" charset="0"/>
+                <a:cs typeface="Courier New" pitchFamily="49" charset="0"/>
+              </a:rPr>
+              <a:t>degrees_east</a:t>
+            </a:r>
+            <a:r>
+              <a:rPr lang="en-US" sz="2000" dirty="0" smtClean="0">
+                <a:latin typeface="Courier New" pitchFamily="49" charset="0"/>
+                <a:cs typeface="Courier New" pitchFamily="49" charset="0"/>
+              </a:rPr>
+              <a:t>”;</a:t>
+            </a:r>
+          </a:p>
+          <a:p>
+            <a:pPr>
+              <a:buNone/>
+            </a:pPr>
+            <a:r>
+              <a:rPr lang="en-US" sz="2000" dirty="0" smtClean="0">
+                <a:latin typeface="Courier New" pitchFamily="49" charset="0"/>
+                <a:cs typeface="Courier New" pitchFamily="49" charset="0"/>
+              </a:rPr>
+              <a:t>  float alt(alt);</a:t>
+            </a:r>
+          </a:p>
+          <a:p>
+            <a:pPr>
+              <a:buNone/>
+            </a:pPr>
+            <a:r>
+              <a:rPr lang="en-US" sz="2000" dirty="0" smtClean="0">
+                <a:latin typeface="Courier New" pitchFamily="49" charset="0"/>
+                <a:cs typeface="Courier New" pitchFamily="49" charset="0"/>
+              </a:rPr>
+              <a:t>    </a:t>
+            </a:r>
+            <a:r>
+              <a:rPr lang="en-US" sz="2000" dirty="0" err="1" smtClean="0">
+                <a:latin typeface="Courier New" pitchFamily="49" charset="0"/>
+                <a:cs typeface="Courier New" pitchFamily="49" charset="0"/>
+              </a:rPr>
+              <a:t>alt:units</a:t>
+            </a:r>
+            <a:r>
+              <a:rPr lang="en-US" sz="2000" dirty="0" smtClean="0">
+                <a:latin typeface="Courier New" pitchFamily="49" charset="0"/>
+                <a:cs typeface="Courier New" pitchFamily="49" charset="0"/>
+              </a:rPr>
+              <a:t> = “m”;</a:t>
+            </a:r>
+          </a:p>
+          <a:p>
+            <a:pPr>
+              <a:buNone/>
+            </a:pPr>
+            <a:r>
+              <a:rPr lang="en-US" sz="2000" dirty="0" smtClean="0">
+                <a:latin typeface="Courier New" pitchFamily="49" charset="0"/>
+                <a:cs typeface="Courier New" pitchFamily="49" charset="0"/>
+              </a:rPr>
+              <a:t>  float time(time);</a:t>
             </a:r>
           </a:p>
           <a:p>
@@ -4337,271 +5095,14 @@
                 <a:latin typeface="Courier New" pitchFamily="49" charset="0"/>
                 <a:cs typeface="Courier New" pitchFamily="49" charset="0"/>
               </a:rPr>
-              <a:t>temp:coordinates</a:t>
+              <a:t>time:units</a:t>
             </a:r>
             <a:r>
               <a:rPr lang="en-US" sz="2000" dirty="0" smtClean="0">
                 <a:latin typeface="Courier New" pitchFamily="49" charset="0"/>
                 <a:cs typeface="Courier New" pitchFamily="49" charset="0"/>
               </a:rPr>
-              <a:t> = “time alt lat </a:t>
-            </a:r>
-            <a:r>
-              <a:rPr lang="en-US" sz="2000" dirty="0" err="1" smtClean="0">
-                <a:latin typeface="Courier New" pitchFamily="49" charset="0"/>
-                <a:cs typeface="Courier New" pitchFamily="49" charset="0"/>
-              </a:rPr>
-              <a:t>lon</a:t>
-            </a:r>
-            <a:r>
-              <a:rPr lang="en-US" sz="2000" dirty="0" smtClean="0">
-                <a:latin typeface="Courier New" pitchFamily="49" charset="0"/>
-                <a:cs typeface="Courier New" pitchFamily="49" charset="0"/>
-              </a:rPr>
-              <a:t>”;</a:t>
-            </a:r>
-          </a:p>
-          <a:p>
-            <a:pPr>
-              <a:buNone/>
-            </a:pPr>
-            <a:r>
-              <a:rPr lang="en-US" sz="2000" dirty="0">
-                <a:latin typeface="Courier New" pitchFamily="49" charset="0"/>
-                <a:cs typeface="Courier New" pitchFamily="49" charset="0"/>
-              </a:rPr>
-              <a:t> </a:t>
-            </a:r>
-            <a:r>
-              <a:rPr lang="en-US" sz="2000" dirty="0" smtClean="0">
-                <a:latin typeface="Courier New" pitchFamily="49" charset="0"/>
-                <a:cs typeface="Courier New" pitchFamily="49" charset="0"/>
-              </a:rPr>
-              <a:t> float lat(lat);</a:t>
-            </a:r>
-          </a:p>
-          <a:p>
-            <a:pPr>
-              <a:buNone/>
-            </a:pPr>
-            <a:r>
-              <a:rPr lang="en-US" sz="2000" dirty="0">
-                <a:latin typeface="Courier New" pitchFamily="49" charset="0"/>
-                <a:cs typeface="Courier New" pitchFamily="49" charset="0"/>
-              </a:rPr>
-              <a:t> </a:t>
-            </a:r>
-            <a:r>
-              <a:rPr lang="en-US" sz="2000" dirty="0" smtClean="0">
-                <a:latin typeface="Courier New" pitchFamily="49" charset="0"/>
-                <a:cs typeface="Courier New" pitchFamily="49" charset="0"/>
-              </a:rPr>
-              <a:t>   </a:t>
-            </a:r>
-            <a:r>
-              <a:rPr lang="en-US" sz="2000" dirty="0" err="1" smtClean="0">
-                <a:latin typeface="Courier New" pitchFamily="49" charset="0"/>
-                <a:cs typeface="Courier New" pitchFamily="49" charset="0"/>
-              </a:rPr>
-              <a:t>lat:units</a:t>
-            </a:r>
-            <a:r>
-              <a:rPr lang="en-US" sz="2000" dirty="0" smtClean="0">
-                <a:latin typeface="Courier New" pitchFamily="49" charset="0"/>
-                <a:cs typeface="Courier New" pitchFamily="49" charset="0"/>
-              </a:rPr>
-              <a:t> = “</a:t>
-            </a:r>
-            <a:r>
-              <a:rPr lang="en-US" sz="2000" dirty="0" err="1" smtClean="0">
-                <a:latin typeface="Courier New" pitchFamily="49" charset="0"/>
-                <a:cs typeface="Courier New" pitchFamily="49" charset="0"/>
-              </a:rPr>
-              <a:t>degrees_north</a:t>
-            </a:r>
-            <a:r>
-              <a:rPr lang="en-US" sz="2000" dirty="0" smtClean="0">
-                <a:latin typeface="Courier New" pitchFamily="49" charset="0"/>
-                <a:cs typeface="Courier New" pitchFamily="49" charset="0"/>
-              </a:rPr>
-              <a:t>”;</a:t>
-            </a:r>
-          </a:p>
-          <a:p>
-            <a:pPr>
-              <a:buNone/>
-            </a:pPr>
-            <a:r>
-              <a:rPr lang="en-US" sz="2000" dirty="0">
-                <a:latin typeface="Courier New" pitchFamily="49" charset="0"/>
-                <a:cs typeface="Courier New" pitchFamily="49" charset="0"/>
-              </a:rPr>
-              <a:t> </a:t>
-            </a:r>
-            <a:r>
-              <a:rPr lang="en-US" sz="2000" dirty="0" smtClean="0">
-                <a:latin typeface="Courier New" pitchFamily="49" charset="0"/>
-                <a:cs typeface="Courier New" pitchFamily="49" charset="0"/>
-              </a:rPr>
-              <a:t> float </a:t>
-            </a:r>
-            <a:r>
-              <a:rPr lang="en-US" sz="2000" dirty="0" err="1" smtClean="0">
-                <a:latin typeface="Courier New" pitchFamily="49" charset="0"/>
-                <a:cs typeface="Courier New" pitchFamily="49" charset="0"/>
-              </a:rPr>
-              <a:t>lon</a:t>
-            </a:r>
-            <a:r>
-              <a:rPr lang="en-US" sz="2000" dirty="0" smtClean="0">
-                <a:latin typeface="Courier New" pitchFamily="49" charset="0"/>
-                <a:cs typeface="Courier New" pitchFamily="49" charset="0"/>
-              </a:rPr>
-              <a:t>(</a:t>
-            </a:r>
-            <a:r>
-              <a:rPr lang="en-US" sz="2000" dirty="0" err="1" smtClean="0">
-                <a:latin typeface="Courier New" pitchFamily="49" charset="0"/>
-                <a:cs typeface="Courier New" pitchFamily="49" charset="0"/>
-              </a:rPr>
-              <a:t>lon</a:t>
-            </a:r>
-            <a:r>
-              <a:rPr lang="en-US" sz="2000" dirty="0" smtClean="0">
-                <a:latin typeface="Courier New" pitchFamily="49" charset="0"/>
-                <a:cs typeface="Courier New" pitchFamily="49" charset="0"/>
-              </a:rPr>
-              <a:t>);</a:t>
-            </a:r>
-          </a:p>
-          <a:p>
-            <a:pPr>
-              <a:buNone/>
-            </a:pPr>
-            <a:r>
-              <a:rPr lang="en-US" sz="2000" dirty="0" smtClean="0">
-                <a:latin typeface="Courier New" pitchFamily="49" charset="0"/>
-                <a:cs typeface="Courier New" pitchFamily="49" charset="0"/>
-              </a:rPr>
-              <a:t>    </a:t>
-            </a:r>
-            <a:r>
-              <a:rPr lang="en-US" sz="2000" dirty="0" err="1" smtClean="0">
-                <a:latin typeface="Courier New" pitchFamily="49" charset="0"/>
-                <a:cs typeface="Courier New" pitchFamily="49" charset="0"/>
-              </a:rPr>
-              <a:t>lon:units</a:t>
-            </a:r>
-            <a:r>
-              <a:rPr lang="en-US" sz="2000" dirty="0" smtClean="0">
-                <a:latin typeface="Courier New" pitchFamily="49" charset="0"/>
-                <a:cs typeface="Courier New" pitchFamily="49" charset="0"/>
-              </a:rPr>
-              <a:t> = “</a:t>
-            </a:r>
-            <a:r>
-              <a:rPr lang="en-US" sz="2000" dirty="0" err="1" smtClean="0">
-                <a:latin typeface="Courier New" pitchFamily="49" charset="0"/>
-                <a:cs typeface="Courier New" pitchFamily="49" charset="0"/>
-              </a:rPr>
-              <a:t>degrees_east</a:t>
-            </a:r>
-            <a:r>
-              <a:rPr lang="en-US" sz="2000" dirty="0" smtClean="0">
-                <a:latin typeface="Courier New" pitchFamily="49" charset="0"/>
-                <a:cs typeface="Courier New" pitchFamily="49" charset="0"/>
-              </a:rPr>
-              <a:t>”;</a:t>
-            </a:r>
-          </a:p>
-          <a:p>
-            <a:pPr>
-              <a:buNone/>
-            </a:pPr>
-            <a:r>
-              <a:rPr lang="en-US" sz="2000" dirty="0" smtClean="0">
-                <a:latin typeface="Courier New" pitchFamily="49" charset="0"/>
-                <a:cs typeface="Courier New" pitchFamily="49" charset="0"/>
-              </a:rPr>
-              <a:t>  float alt(alt);</a:t>
-            </a:r>
-          </a:p>
-          <a:p>
-            <a:pPr>
-              <a:buNone/>
-            </a:pPr>
-            <a:r>
-              <a:rPr lang="en-US" sz="2000" dirty="0" smtClean="0">
-                <a:latin typeface="Courier New" pitchFamily="49" charset="0"/>
-                <a:cs typeface="Courier New" pitchFamily="49" charset="0"/>
-              </a:rPr>
-              <a:t>    </a:t>
-            </a:r>
-            <a:r>
-              <a:rPr lang="en-US" sz="2000" dirty="0" err="1" smtClean="0">
-                <a:latin typeface="Courier New" pitchFamily="49" charset="0"/>
-                <a:cs typeface="Courier New" pitchFamily="49" charset="0"/>
-              </a:rPr>
-              <a:t>alt:units</a:t>
-            </a:r>
-            <a:r>
-              <a:rPr lang="en-US" sz="2000" dirty="0" smtClean="0">
-                <a:latin typeface="Courier New" pitchFamily="49" charset="0"/>
-                <a:cs typeface="Courier New" pitchFamily="49" charset="0"/>
-              </a:rPr>
-              <a:t> = “m”;</a:t>
-            </a:r>
-          </a:p>
-          <a:p>
-            <a:pPr>
-              <a:buNone/>
-            </a:pPr>
-            <a:r>
-              <a:rPr lang="en-US" sz="2000" dirty="0" smtClean="0">
-                <a:latin typeface="Courier New" pitchFamily="49" charset="0"/>
-                <a:cs typeface="Courier New" pitchFamily="49" charset="0"/>
-              </a:rPr>
-              <a:t>  float time(time);</a:t>
-            </a:r>
-          </a:p>
-          <a:p>
-            <a:pPr>
-              <a:buNone/>
-            </a:pPr>
-            <a:r>
-              <a:rPr lang="en-US" sz="2000" dirty="0">
-                <a:latin typeface="Courier New" pitchFamily="49" charset="0"/>
-                <a:cs typeface="Courier New" pitchFamily="49" charset="0"/>
-              </a:rPr>
-              <a:t> </a:t>
-            </a:r>
-            <a:r>
-              <a:rPr lang="en-US" sz="2000" dirty="0" smtClean="0">
-                <a:latin typeface="Courier New" pitchFamily="49" charset="0"/>
-                <a:cs typeface="Courier New" pitchFamily="49" charset="0"/>
-              </a:rPr>
-              <a:t>   </a:t>
-            </a:r>
-            <a:r>
-              <a:rPr lang="en-US" sz="2000" dirty="0" err="1" smtClean="0">
-                <a:latin typeface="Courier New" pitchFamily="49" charset="0"/>
-                <a:cs typeface="Courier New" pitchFamily="49" charset="0"/>
-              </a:rPr>
-              <a:t>time:units</a:t>
-            </a:r>
-            <a:r>
-              <a:rPr lang="en-US" sz="2000" dirty="0" smtClean="0">
-                <a:latin typeface="Courier New" pitchFamily="49" charset="0"/>
-                <a:cs typeface="Courier New" pitchFamily="49" charset="0"/>
-              </a:rPr>
-              <a:t> = “months since 01-01-2012”;</a:t>
-            </a:r>
-            <a:r>
-              <a:rPr lang="en-US" sz="2000" dirty="0" smtClean="0">
-                <a:latin typeface="Courier New" pitchFamily="49" charset="0"/>
-                <a:cs typeface="Courier New" pitchFamily="49" charset="0"/>
-              </a:rPr>
-              <a:t> </a:t>
+              <a:t> = “months since 01-01-2012”; </a:t>
             </a:r>
             <a:endParaRPr lang="en-US" sz="2000" dirty="0">
               <a:latin typeface="Courier New" pitchFamily="49" charset="0"/>
@@ -4845,14 +5346,145 @@
         </p:blipFill>
         <p:spPr>
           <a:xfrm>
-            <a:off x="1457714" y="1290904"/>
-            <a:ext cx="6228572" cy="4276191"/>
+            <a:off x="5638800" y="1524000"/>
+            <a:ext cx="3329719" cy="2286000"/>
           </a:xfrm>
           <a:prstGeom prst="rect">
             <a:avLst/>
           </a:prstGeom>
         </p:spPr>
       </p:pic>
+      <p:pic>
+        <p:nvPicPr>
+          <p:cNvPr id="5" name="Content Placeholder 3" descr="796172-scattered-deck-of-playing-cards-on-a-table.jpg"/>
+          <p:cNvPicPr>
+            <a:picLocks noGrp="1" noChangeAspect="1"/>
+          </p:cNvPicPr>
+          <p:nvPr>
+            <p:ph idx="1"/>
+          </p:nvPr>
+        </p:nvPicPr>
+        <p:blipFill>
+          <a:blip r:embed="rId3" cstate="print"/>
+          <a:stretch>
+            <a:fillRect/>
+          </a:stretch>
+        </p:blipFill>
+        <p:spPr>
+          <a:xfrm>
+            <a:off x="1143000" y="1828800"/>
+            <a:ext cx="2857120" cy="1907128"/>
+          </a:xfrm>
+        </p:spPr>
+      </p:pic>
+      <p:sp>
+        <p:nvSpPr>
+          <p:cNvPr id="6" name="Right Arrow 5"/>
+          <p:cNvSpPr/>
+          <p:nvPr/>
+        </p:nvSpPr>
+        <p:spPr>
+          <a:xfrm>
+            <a:off x="4267200" y="2590800"/>
+            <a:ext cx="1066800" cy="533400"/>
+          </a:xfrm>
+          <a:prstGeom prst="rightArrow">
+            <a:avLst/>
+          </a:prstGeom>
+        </p:spPr>
+        <p:style>
+          <a:lnRef idx="2">
+            <a:schemeClr val="accent1">
+              <a:shade val="50000"/>
+            </a:schemeClr>
+          </a:lnRef>
+          <a:fillRef idx="1">
+            <a:schemeClr val="accent1"/>
+          </a:fillRef>
+          <a:effectRef idx="0">
+            <a:schemeClr val="accent1"/>
+          </a:effectRef>
+          <a:fontRef idx="minor">
+            <a:schemeClr val="lt1"/>
+          </a:fontRef>
+        </p:style>
+        <p:txBody>
+          <a:bodyPr rtlCol="0" anchor="ctr"/>
+          <a:lstStyle/>
+          <a:p>
+            <a:pPr algn="ctr"/>
+            <a:endParaRPr lang="en-US"/>
+          </a:p>
+        </p:txBody>
+      </p:sp>
+      <p:sp>
+        <p:nvSpPr>
+          <p:cNvPr id="7" name="TextBox 6"/>
+          <p:cNvSpPr txBox="1"/>
+          <p:nvPr/>
+        </p:nvSpPr>
+        <p:spPr>
+          <a:xfrm>
+            <a:off x="1219200" y="4419600"/>
+            <a:ext cx="6998519" cy="1200329"/>
+          </a:xfrm>
+          <a:prstGeom prst="rect">
+            <a:avLst/>
+          </a:prstGeom>
+          <a:noFill/>
+        </p:spPr>
+        <p:txBody>
+          <a:bodyPr wrap="none" rtlCol="0">
+            <a:spAutoFit/>
+          </a:bodyPr>
+          <a:lstStyle/>
+          <a:p>
+            <a:pPr>
+              <a:buFont typeface="Arial" pitchFamily="34" charset="0"/>
+              <a:buChar char="•"/>
+            </a:pPr>
+            <a:r>
+              <a:rPr lang="en-US" dirty="0" smtClean="0"/>
+              <a:t> Turn unordered collection of 2D slices into 3-6D multidimensional array</a:t>
+            </a:r>
+          </a:p>
+          <a:p>
+            <a:pPr>
+              <a:buFont typeface="Arial" pitchFamily="34" charset="0"/>
+              <a:buChar char="•"/>
+            </a:pPr>
+            <a:r>
+              <a:rPr lang="en-US" dirty="0" smtClean="0"/>
+              <a:t> Each GRIB record (2D slice) is independent</a:t>
+            </a:r>
+          </a:p>
+          <a:p>
+            <a:pPr>
+              <a:buFont typeface="Arial" pitchFamily="34" charset="0"/>
+              <a:buChar char="•"/>
+            </a:pPr>
+            <a:r>
+              <a:rPr lang="en-US" dirty="0" smtClean="0"/>
+              <a:t> There is no overall schema to describe what its supposed to be</a:t>
+            </a:r>
+          </a:p>
+          <a:p>
+            <a:pPr lvl="1">
+              <a:buFont typeface="Wingdings" pitchFamily="2" charset="2"/>
+              <a:buChar char="Ø"/>
+            </a:pPr>
+            <a:r>
+              <a:rPr lang="en-US" dirty="0" smtClean="0"/>
+              <a:t> </a:t>
+            </a:r>
+            <a:r>
+              <a:rPr lang="en-US" dirty="0" smtClean="0"/>
+              <a:t>there is, but not able to be encoded in GRIB</a:t>
+            </a:r>
+            <a:endParaRPr lang="en-US" dirty="0"/>
+          </a:p>
+        </p:txBody>
+      </p:sp>
     </p:spTree>
   </p:cSld>
   <p:clrMapOvr>
